--- a/_book/plot/ss-q13-boxplot-1.pptx
+++ b/_book/plot/ss-q13-boxplot-1.pptx
@@ -3158,7 +3158,7 @@
           <p:spPr>
             <a:xfrm>
               <a:off x="1952625" y="2299652"/>
-              <a:ext cx="3657599" cy="731519"/>
+              <a:ext cx="3657600" cy="731519"/>
             </a:xfrm>
             <a:prstGeom prst="rect">
               <a:avLst/>
@@ -3192,8 +3192,8 @@
           </p:nvSpPr>
           <p:spPr>
             <a:xfrm>
-              <a:off x="2246484" y="2369241"/>
-              <a:ext cx="3294151" cy="266035"/>
+              <a:off x="2244741" y="2369241"/>
+              <a:ext cx="3295894" cy="269732"/>
             </a:xfrm>
             <a:prstGeom prst="rect">
               <a:avLst/>
@@ -3218,15 +3218,15 @@
           </p:nvSpPr>
           <p:spPr>
             <a:xfrm>
-              <a:off x="2804584" y="2369241"/>
-              <a:ext cx="0" cy="266035"/>
+              <a:off x="2803136" y="2369241"/>
+              <a:ext cx="0" cy="269732"/>
             </a:xfrm>
             <a:custGeom>
               <a:avLst/>
               <a:pathLst>
-                <a:path w="0" h="266035">
+                <a:path w="0" h="269732">
                   <a:moveTo>
-                    <a:pt x="0" y="266035"/>
+                    <a:pt x="0" y="269732"/>
                   </a:moveTo>
                   <a:lnTo>
                     <a:pt x="0" y="0"/>
@@ -3261,15 +3261,15 @@
           </p:nvSpPr>
           <p:spPr>
             <a:xfrm>
-              <a:off x="3621316" y="2369241"/>
-              <a:ext cx="0" cy="266035"/>
+              <a:off x="3620300" y="2369241"/>
+              <a:ext cx="0" cy="269732"/>
             </a:xfrm>
             <a:custGeom>
               <a:avLst/>
               <a:pathLst>
-                <a:path w="0" h="266035">
+                <a:path w="0" h="269732">
                   <a:moveTo>
-                    <a:pt x="0" y="266035"/>
+                    <a:pt x="0" y="269732"/>
                   </a:moveTo>
                   <a:lnTo>
                     <a:pt x="0" y="0"/>
@@ -3304,15 +3304,15 @@
           </p:nvSpPr>
           <p:spPr>
             <a:xfrm>
-              <a:off x="4438048" y="2369241"/>
-              <a:ext cx="0" cy="266035"/>
+              <a:off x="4437464" y="2369241"/>
+              <a:ext cx="0" cy="269732"/>
             </a:xfrm>
             <a:custGeom>
               <a:avLst/>
               <a:pathLst>
-                <a:path w="0" h="266035">
+                <a:path w="0" h="269732">
                   <a:moveTo>
-                    <a:pt x="0" y="266035"/>
+                    <a:pt x="0" y="269732"/>
                   </a:moveTo>
                   <a:lnTo>
                     <a:pt x="0" y="0"/>
@@ -3347,15 +3347,15 @@
           </p:nvSpPr>
           <p:spPr>
             <a:xfrm>
-              <a:off x="5254779" y="2369241"/>
-              <a:ext cx="0" cy="266035"/>
+              <a:off x="5254628" y="2369241"/>
+              <a:ext cx="0" cy="269732"/>
             </a:xfrm>
             <a:custGeom>
               <a:avLst/>
               <a:pathLst>
-                <a:path w="0" h="266035">
+                <a:path w="0" h="269732">
                   <a:moveTo>
-                    <a:pt x="0" y="266035"/>
+                    <a:pt x="0" y="269732"/>
                   </a:moveTo>
                   <a:lnTo>
                     <a:pt x="0" y="0"/>
@@ -3390,21 +3390,21 @@
           </p:nvSpPr>
           <p:spPr>
             <a:xfrm>
-              <a:off x="2246484" y="2502259"/>
-              <a:ext cx="3294151" cy="0"/>
+              <a:off x="2244741" y="2504107"/>
+              <a:ext cx="3295894" cy="0"/>
             </a:xfrm>
             <a:custGeom>
               <a:avLst/>
               <a:pathLst>
-                <a:path w="3294151" h="0">
+                <a:path w="3295894" h="0">
                   <a:moveTo>
                     <a:pt x="0" y="0"/>
                   </a:moveTo>
                   <a:lnTo>
-                    <a:pt x="3294151" y="0"/>
-                  </a:lnTo>
-                  <a:lnTo>
-                    <a:pt x="3294151" y="0"/>
+                    <a:pt x="3295894" y="0"/>
+                  </a:lnTo>
+                  <a:lnTo>
+                    <a:pt x="3295894" y="0"/>
                   </a:lnTo>
                 </a:path>
               </a:pathLst>
@@ -3433,15 +3433,15 @@
           </p:nvSpPr>
           <p:spPr>
             <a:xfrm>
-              <a:off x="2396218" y="2369241"/>
-              <a:ext cx="0" cy="266035"/>
+              <a:off x="2394554" y="2369241"/>
+              <a:ext cx="0" cy="269732"/>
             </a:xfrm>
             <a:custGeom>
               <a:avLst/>
               <a:pathLst>
-                <a:path w="0" h="266035">
+                <a:path w="0" h="269732">
                   <a:moveTo>
-                    <a:pt x="0" y="266035"/>
+                    <a:pt x="0" y="269732"/>
                   </a:moveTo>
                   <a:lnTo>
                     <a:pt x="0" y="0"/>
@@ -3476,15 +3476,15 @@
           </p:nvSpPr>
           <p:spPr>
             <a:xfrm>
-              <a:off x="3212950" y="2369241"/>
-              <a:ext cx="0" cy="266035"/>
+              <a:off x="3211718" y="2369241"/>
+              <a:ext cx="0" cy="269732"/>
             </a:xfrm>
             <a:custGeom>
               <a:avLst/>
               <a:pathLst>
-                <a:path w="0" h="266035">
+                <a:path w="0" h="269732">
                   <a:moveTo>
-                    <a:pt x="0" y="266035"/>
+                    <a:pt x="0" y="269732"/>
                   </a:moveTo>
                   <a:lnTo>
                     <a:pt x="0" y="0"/>
@@ -3519,15 +3519,15 @@
           </p:nvSpPr>
           <p:spPr>
             <a:xfrm>
-              <a:off x="4029682" y="2369241"/>
-              <a:ext cx="0" cy="266035"/>
+              <a:off x="4028882" y="2369241"/>
+              <a:ext cx="0" cy="269732"/>
             </a:xfrm>
             <a:custGeom>
               <a:avLst/>
               <a:pathLst>
-                <a:path w="0" h="266035">
+                <a:path w="0" h="269732">
                   <a:moveTo>
-                    <a:pt x="0" y="266035"/>
+                    <a:pt x="0" y="269732"/>
                   </a:moveTo>
                   <a:lnTo>
                     <a:pt x="0" y="0"/>
@@ -3562,15 +3562,15 @@
           </p:nvSpPr>
           <p:spPr>
             <a:xfrm>
-              <a:off x="4846413" y="2369241"/>
-              <a:ext cx="0" cy="266035"/>
+              <a:off x="4846046" y="2369241"/>
+              <a:ext cx="0" cy="269732"/>
             </a:xfrm>
             <a:custGeom>
               <a:avLst/>
               <a:pathLst>
-                <a:path w="0" h="266035">
+                <a:path w="0" h="269732">
                   <a:moveTo>
-                    <a:pt x="0" y="266035"/>
+                    <a:pt x="0" y="269732"/>
                   </a:moveTo>
                   <a:lnTo>
                     <a:pt x="0" y="0"/>
@@ -3605,7 +3605,7 @@
           </p:nvSpPr>
           <p:spPr>
             <a:xfrm>
-              <a:off x="5039383" y="2477433"/>
+              <a:off x="5039131" y="2479282"/>
               <a:ext cx="49651" cy="49651"/>
             </a:xfrm>
             <a:prstGeom prst="ellipse">
@@ -3640,7 +3640,7 @@
           </p:nvSpPr>
           <p:spPr>
             <a:xfrm>
-              <a:off x="5039383" y="2477433"/>
+              <a:off x="5039131" y="2479282"/>
               <a:ext cx="49651" cy="49651"/>
             </a:xfrm>
             <a:prstGeom prst="ellipse">
@@ -3675,7 +3675,7 @@
           </p:nvSpPr>
           <p:spPr>
             <a:xfrm>
-              <a:off x="5093831" y="2477433"/>
+              <a:off x="5093608" y="2479282"/>
               <a:ext cx="49651" cy="49651"/>
             </a:xfrm>
             <a:prstGeom prst="ellipse">
@@ -3710,7 +3710,7 @@
           </p:nvSpPr>
           <p:spPr>
             <a:xfrm>
-              <a:off x="5093831" y="2477433"/>
+              <a:off x="5093608" y="2479282"/>
               <a:ext cx="49651" cy="49651"/>
             </a:xfrm>
             <a:prstGeom prst="ellipse">
@@ -3745,7 +3745,7 @@
           </p:nvSpPr>
           <p:spPr>
             <a:xfrm>
-              <a:off x="5093831" y="2477433"/>
+              <a:off x="5093608" y="2479282"/>
               <a:ext cx="49651" cy="49651"/>
             </a:xfrm>
             <a:prstGeom prst="ellipse">
@@ -3780,7 +3780,7 @@
           </p:nvSpPr>
           <p:spPr>
             <a:xfrm>
-              <a:off x="5093831" y="2477433"/>
+              <a:off x="5093608" y="2479282"/>
               <a:ext cx="49651" cy="49651"/>
             </a:xfrm>
             <a:prstGeom prst="ellipse">
@@ -3815,7 +3815,7 @@
           </p:nvSpPr>
           <p:spPr>
             <a:xfrm>
-              <a:off x="5093831" y="2477433"/>
+              <a:off x="5093608" y="2479282"/>
               <a:ext cx="49651" cy="49651"/>
             </a:xfrm>
             <a:prstGeom prst="ellipse">
@@ -3850,7 +3850,7 @@
           </p:nvSpPr>
           <p:spPr>
             <a:xfrm>
-              <a:off x="5093831" y="2477433"/>
+              <a:off x="5093608" y="2479282"/>
               <a:ext cx="49651" cy="49651"/>
             </a:xfrm>
             <a:prstGeom prst="ellipse">
@@ -3885,7 +3885,7 @@
           </p:nvSpPr>
           <p:spPr>
             <a:xfrm>
-              <a:off x="5311627" y="2477433"/>
+              <a:off x="5311519" y="2479282"/>
               <a:ext cx="49651" cy="49651"/>
             </a:xfrm>
             <a:prstGeom prst="ellipse">
@@ -3920,7 +3920,7 @@
           </p:nvSpPr>
           <p:spPr>
             <a:xfrm>
-              <a:off x="5093831" y="2477433"/>
+              <a:off x="5093608" y="2479282"/>
               <a:ext cx="49651" cy="49651"/>
             </a:xfrm>
             <a:prstGeom prst="ellipse">
@@ -3955,7 +3955,7 @@
           </p:nvSpPr>
           <p:spPr>
             <a:xfrm>
-              <a:off x="5039383" y="2477433"/>
+              <a:off x="5039131" y="2479282"/>
               <a:ext cx="49651" cy="49651"/>
             </a:xfrm>
             <a:prstGeom prst="ellipse">
@@ -3990,7 +3990,7 @@
           </p:nvSpPr>
           <p:spPr>
             <a:xfrm>
-              <a:off x="5093831" y="2477433"/>
+              <a:off x="5093608" y="2479282"/>
               <a:ext cx="49651" cy="49651"/>
             </a:xfrm>
             <a:prstGeom prst="ellipse">
@@ -4025,7 +4025,7 @@
           </p:nvSpPr>
           <p:spPr>
             <a:xfrm>
-              <a:off x="5093831" y="2477433"/>
+              <a:off x="5093608" y="2479282"/>
               <a:ext cx="49651" cy="49651"/>
             </a:xfrm>
             <a:prstGeom prst="ellipse">
@@ -4060,7 +4060,7 @@
           </p:nvSpPr>
           <p:spPr>
             <a:xfrm>
-              <a:off x="5066607" y="2477433"/>
+              <a:off x="5066369" y="2479282"/>
               <a:ext cx="49651" cy="49651"/>
             </a:xfrm>
             <a:prstGeom prst="ellipse">
@@ -4095,7 +4095,7 @@
           </p:nvSpPr>
           <p:spPr>
             <a:xfrm>
-              <a:off x="5093831" y="2477433"/>
+              <a:off x="5093608" y="2479282"/>
               <a:ext cx="49651" cy="49651"/>
             </a:xfrm>
             <a:prstGeom prst="ellipse">
@@ -4130,7 +4130,7 @@
           </p:nvSpPr>
           <p:spPr>
             <a:xfrm>
-              <a:off x="5229953" y="2477433"/>
+              <a:off x="5229802" y="2479282"/>
               <a:ext cx="49651" cy="49651"/>
             </a:xfrm>
             <a:prstGeom prst="ellipse">
@@ -4165,7 +4165,7 @@
           </p:nvSpPr>
           <p:spPr>
             <a:xfrm>
-              <a:off x="5093831" y="2477433"/>
+              <a:off x="5093608" y="2479282"/>
               <a:ext cx="49651" cy="49651"/>
             </a:xfrm>
             <a:prstGeom prst="ellipse">
@@ -4200,7 +4200,7 @@
           </p:nvSpPr>
           <p:spPr>
             <a:xfrm>
-              <a:off x="5093831" y="2477433"/>
+              <a:off x="5093608" y="2479282"/>
               <a:ext cx="49651" cy="49651"/>
             </a:xfrm>
             <a:prstGeom prst="ellipse">
@@ -4235,7 +4235,7 @@
           </p:nvSpPr>
           <p:spPr>
             <a:xfrm>
-              <a:off x="5093831" y="2477433"/>
+              <a:off x="5093608" y="2479282"/>
               <a:ext cx="49651" cy="49651"/>
             </a:xfrm>
             <a:prstGeom prst="ellipse">
@@ -4270,7 +4270,7 @@
           </p:nvSpPr>
           <p:spPr>
             <a:xfrm>
-              <a:off x="5093831" y="2477433"/>
+              <a:off x="5093608" y="2479282"/>
               <a:ext cx="49651" cy="49651"/>
             </a:xfrm>
             <a:prstGeom prst="ellipse">
@@ -4305,7 +4305,7 @@
           </p:nvSpPr>
           <p:spPr>
             <a:xfrm>
-              <a:off x="5093831" y="2477433"/>
+              <a:off x="5093608" y="2479282"/>
               <a:ext cx="49651" cy="49651"/>
             </a:xfrm>
             <a:prstGeom prst="ellipse">
@@ -4340,7 +4340,7 @@
           </p:nvSpPr>
           <p:spPr>
             <a:xfrm>
-              <a:off x="5093831" y="2477433"/>
+              <a:off x="5093608" y="2479282"/>
               <a:ext cx="49651" cy="49651"/>
             </a:xfrm>
             <a:prstGeom prst="ellipse">
@@ -4375,7 +4375,7 @@
           </p:nvSpPr>
           <p:spPr>
             <a:xfrm>
-              <a:off x="4767139" y="2477433"/>
+              <a:off x="4766743" y="2479282"/>
               <a:ext cx="49651" cy="49651"/>
             </a:xfrm>
             <a:prstGeom prst="ellipse">
@@ -4410,7 +4410,7 @@
           </p:nvSpPr>
           <p:spPr>
             <a:xfrm>
-              <a:off x="5093831" y="2477433"/>
+              <a:off x="5093608" y="2479282"/>
               <a:ext cx="49651" cy="49651"/>
             </a:xfrm>
             <a:prstGeom prst="ellipse">
@@ -4445,7 +4445,7 @@
           </p:nvSpPr>
           <p:spPr>
             <a:xfrm>
-              <a:off x="5039383" y="2477433"/>
+              <a:off x="5039131" y="2479282"/>
               <a:ext cx="49651" cy="49651"/>
             </a:xfrm>
             <a:prstGeom prst="ellipse">
@@ -4480,7 +4480,7 @@
           </p:nvSpPr>
           <p:spPr>
             <a:xfrm>
-              <a:off x="5093831" y="2477433"/>
+              <a:off x="5093608" y="2479282"/>
               <a:ext cx="49651" cy="49651"/>
             </a:xfrm>
             <a:prstGeom prst="ellipse">
@@ -4515,7 +4515,7 @@
           </p:nvSpPr>
           <p:spPr>
             <a:xfrm>
-              <a:off x="5093831" y="2477433"/>
+              <a:off x="5093608" y="2479282"/>
               <a:ext cx="49651" cy="49651"/>
             </a:xfrm>
             <a:prstGeom prst="ellipse">
@@ -4550,7 +4550,7 @@
           </p:nvSpPr>
           <p:spPr>
             <a:xfrm>
-              <a:off x="5093831" y="2477433"/>
+              <a:off x="5093608" y="2479282"/>
               <a:ext cx="49651" cy="49651"/>
             </a:xfrm>
             <a:prstGeom prst="ellipse">
@@ -4585,7 +4585,7 @@
           </p:nvSpPr>
           <p:spPr>
             <a:xfrm>
-              <a:off x="4821588" y="2477433"/>
+              <a:off x="4821220" y="2479282"/>
               <a:ext cx="49651" cy="49651"/>
             </a:xfrm>
             <a:prstGeom prst="ellipse">
@@ -4620,7 +4620,7 @@
           </p:nvSpPr>
           <p:spPr>
             <a:xfrm>
-              <a:off x="5093831" y="2477433"/>
+              <a:off x="5093608" y="2479282"/>
               <a:ext cx="49651" cy="49651"/>
             </a:xfrm>
             <a:prstGeom prst="ellipse">
@@ -4655,7 +4655,7 @@
           </p:nvSpPr>
           <p:spPr>
             <a:xfrm>
-              <a:off x="5093831" y="2477433"/>
+              <a:off x="5093608" y="2479282"/>
               <a:ext cx="49651" cy="49651"/>
             </a:xfrm>
             <a:prstGeom prst="ellipse">
@@ -4690,7 +4690,7 @@
           </p:nvSpPr>
           <p:spPr>
             <a:xfrm>
-              <a:off x="5311627" y="2477433"/>
+              <a:off x="5311519" y="2479282"/>
               <a:ext cx="49651" cy="49651"/>
             </a:xfrm>
             <a:prstGeom prst="ellipse">
@@ -4725,7 +4725,7 @@
           </p:nvSpPr>
           <p:spPr>
             <a:xfrm>
-              <a:off x="5093831" y="2477433"/>
+              <a:off x="5093608" y="2479282"/>
               <a:ext cx="49651" cy="49651"/>
             </a:xfrm>
             <a:prstGeom prst="ellipse">
@@ -4760,7 +4760,7 @@
           </p:nvSpPr>
           <p:spPr>
             <a:xfrm>
-              <a:off x="5099276" y="2477433"/>
+              <a:off x="5099056" y="2479282"/>
               <a:ext cx="49651" cy="49651"/>
             </a:xfrm>
             <a:prstGeom prst="ellipse">
@@ -4795,7 +4795,7 @@
           </p:nvSpPr>
           <p:spPr>
             <a:xfrm>
-              <a:off x="5039383" y="2477433"/>
+              <a:off x="5039131" y="2479282"/>
               <a:ext cx="49651" cy="49651"/>
             </a:xfrm>
             <a:prstGeom prst="ellipse">
@@ -4830,7 +4830,7 @@
           </p:nvSpPr>
           <p:spPr>
             <a:xfrm>
-              <a:off x="5093831" y="2477433"/>
+              <a:off x="5093608" y="2479282"/>
               <a:ext cx="49651" cy="49651"/>
             </a:xfrm>
             <a:prstGeom prst="ellipse">
@@ -4865,7 +4865,7 @@
           </p:nvSpPr>
           <p:spPr>
             <a:xfrm>
-              <a:off x="5093831" y="2477433"/>
+              <a:off x="5093608" y="2479282"/>
               <a:ext cx="49651" cy="49651"/>
             </a:xfrm>
             <a:prstGeom prst="ellipse">
@@ -4900,7 +4900,7 @@
           </p:nvSpPr>
           <p:spPr>
             <a:xfrm>
-              <a:off x="4767139" y="2477433"/>
+              <a:off x="4766743" y="2479282"/>
               <a:ext cx="49651" cy="49651"/>
             </a:xfrm>
             <a:prstGeom prst="ellipse">
@@ -4935,7 +4935,7 @@
           </p:nvSpPr>
           <p:spPr>
             <a:xfrm>
-              <a:off x="5093831" y="2477433"/>
+              <a:off x="5093608" y="2479282"/>
               <a:ext cx="49651" cy="49651"/>
             </a:xfrm>
             <a:prstGeom prst="ellipse">
@@ -4970,7 +4970,7 @@
           </p:nvSpPr>
           <p:spPr>
             <a:xfrm>
-              <a:off x="5093831" y="2477433"/>
+              <a:off x="5093608" y="2479282"/>
               <a:ext cx="49651" cy="49651"/>
             </a:xfrm>
             <a:prstGeom prst="ellipse">
@@ -5005,7 +5005,7 @@
           </p:nvSpPr>
           <p:spPr>
             <a:xfrm>
-              <a:off x="5093831" y="2477433"/>
+              <a:off x="5093608" y="2479282"/>
               <a:ext cx="49651" cy="49651"/>
             </a:xfrm>
             <a:prstGeom prst="ellipse">
@@ -5040,7 +5040,7 @@
           </p:nvSpPr>
           <p:spPr>
             <a:xfrm>
-              <a:off x="5093831" y="2477433"/>
+              <a:off x="5093608" y="2479282"/>
               <a:ext cx="49651" cy="49651"/>
             </a:xfrm>
             <a:prstGeom prst="ellipse">
@@ -5075,7 +5075,7 @@
           </p:nvSpPr>
           <p:spPr>
             <a:xfrm>
-              <a:off x="4767139" y="2477433"/>
+              <a:off x="4766743" y="2479282"/>
               <a:ext cx="49651" cy="49651"/>
             </a:xfrm>
             <a:prstGeom prst="ellipse">
@@ -5110,7 +5110,7 @@
           </p:nvSpPr>
           <p:spPr>
             <a:xfrm>
-              <a:off x="5093831" y="2477433"/>
+              <a:off x="5093608" y="2479282"/>
               <a:ext cx="49651" cy="49651"/>
             </a:xfrm>
             <a:prstGeom prst="ellipse">
@@ -5145,7 +5145,7 @@
           </p:nvSpPr>
           <p:spPr>
             <a:xfrm>
-              <a:off x="4821588" y="2477433"/>
+              <a:off x="4821220" y="2479282"/>
               <a:ext cx="49651" cy="49651"/>
             </a:xfrm>
             <a:prstGeom prst="ellipse">
@@ -5180,7 +5180,7 @@
           </p:nvSpPr>
           <p:spPr>
             <a:xfrm>
-              <a:off x="5093831" y="2477433"/>
+              <a:off x="5093608" y="2479282"/>
               <a:ext cx="49651" cy="49651"/>
             </a:xfrm>
             <a:prstGeom prst="ellipse">
@@ -5215,7 +5215,7 @@
           </p:nvSpPr>
           <p:spPr>
             <a:xfrm>
-              <a:off x="5093831" y="2477433"/>
+              <a:off x="5093608" y="2479282"/>
               <a:ext cx="49651" cy="49651"/>
             </a:xfrm>
             <a:prstGeom prst="ellipse">
@@ -5250,7 +5250,7 @@
           </p:nvSpPr>
           <p:spPr>
             <a:xfrm>
-              <a:off x="5093831" y="2477433"/>
+              <a:off x="5093608" y="2479282"/>
               <a:ext cx="49651" cy="49651"/>
             </a:xfrm>
             <a:prstGeom prst="ellipse">
@@ -5285,7 +5285,7 @@
           </p:nvSpPr>
           <p:spPr>
             <a:xfrm>
-              <a:off x="5093831" y="2477433"/>
+              <a:off x="5093608" y="2479282"/>
               <a:ext cx="49651" cy="49651"/>
             </a:xfrm>
             <a:prstGeom prst="ellipse">
@@ -5320,7 +5320,7 @@
           </p:nvSpPr>
           <p:spPr>
             <a:xfrm>
-              <a:off x="5093831" y="2477433"/>
+              <a:off x="5093608" y="2479282"/>
               <a:ext cx="49651" cy="49651"/>
             </a:xfrm>
             <a:prstGeom prst="ellipse">
@@ -5355,7 +5355,7 @@
           </p:nvSpPr>
           <p:spPr>
             <a:xfrm>
-              <a:off x="5093831" y="2477433"/>
+              <a:off x="5093608" y="2479282"/>
               <a:ext cx="49651" cy="49651"/>
             </a:xfrm>
             <a:prstGeom prst="ellipse">
@@ -5390,7 +5390,7 @@
           </p:nvSpPr>
           <p:spPr>
             <a:xfrm>
-              <a:off x="5093831" y="2477433"/>
+              <a:off x="5093608" y="2479282"/>
               <a:ext cx="49651" cy="49651"/>
             </a:xfrm>
             <a:prstGeom prst="ellipse">
@@ -5425,7 +5425,7 @@
           </p:nvSpPr>
           <p:spPr>
             <a:xfrm>
-              <a:off x="5093831" y="2477433"/>
+              <a:off x="5093608" y="2479282"/>
               <a:ext cx="49651" cy="49651"/>
             </a:xfrm>
             <a:prstGeom prst="ellipse">
@@ -5460,7 +5460,7 @@
           </p:nvSpPr>
           <p:spPr>
             <a:xfrm>
-              <a:off x="4767139" y="2477433"/>
+              <a:off x="4766743" y="2479282"/>
               <a:ext cx="49651" cy="49651"/>
             </a:xfrm>
             <a:prstGeom prst="ellipse">
@@ -5495,7 +5495,7 @@
           </p:nvSpPr>
           <p:spPr>
             <a:xfrm>
-              <a:off x="5039383" y="2477433"/>
+              <a:off x="5039131" y="2479282"/>
               <a:ext cx="49651" cy="49651"/>
             </a:xfrm>
             <a:prstGeom prst="ellipse">
@@ -5530,7 +5530,7 @@
           </p:nvSpPr>
           <p:spPr>
             <a:xfrm>
-              <a:off x="5093831" y="2477433"/>
+              <a:off x="5093608" y="2479282"/>
               <a:ext cx="49651" cy="49651"/>
             </a:xfrm>
             <a:prstGeom prst="ellipse">
@@ -5565,7 +5565,7 @@
           </p:nvSpPr>
           <p:spPr>
             <a:xfrm>
-              <a:off x="5093831" y="2477433"/>
+              <a:off x="5093608" y="2479282"/>
               <a:ext cx="49651" cy="49651"/>
             </a:xfrm>
             <a:prstGeom prst="ellipse">
@@ -5600,7 +5600,7 @@
           </p:nvSpPr>
           <p:spPr>
             <a:xfrm>
-              <a:off x="4821588" y="2477433"/>
+              <a:off x="4821220" y="2479282"/>
               <a:ext cx="49651" cy="49651"/>
             </a:xfrm>
             <a:prstGeom prst="ellipse">
@@ -5635,7 +5635,7 @@
           </p:nvSpPr>
           <p:spPr>
             <a:xfrm>
-              <a:off x="5093831" y="2477433"/>
+              <a:off x="5093608" y="2479282"/>
               <a:ext cx="49651" cy="49651"/>
             </a:xfrm>
             <a:prstGeom prst="ellipse">
@@ -5670,7 +5670,7 @@
           </p:nvSpPr>
           <p:spPr>
             <a:xfrm>
-              <a:off x="5066607" y="2477433"/>
+              <a:off x="5066369" y="2479282"/>
               <a:ext cx="49651" cy="49651"/>
             </a:xfrm>
             <a:prstGeom prst="ellipse">
@@ -5705,7 +5705,7 @@
           </p:nvSpPr>
           <p:spPr>
             <a:xfrm>
-              <a:off x="5093831" y="2477433"/>
+              <a:off x="5093608" y="2479282"/>
               <a:ext cx="49651" cy="49651"/>
             </a:xfrm>
             <a:prstGeom prst="ellipse">
@@ -5740,7 +5740,7 @@
           </p:nvSpPr>
           <p:spPr>
             <a:xfrm>
-              <a:off x="4821588" y="2477433"/>
+              <a:off x="4821220" y="2479282"/>
               <a:ext cx="49651" cy="49651"/>
             </a:xfrm>
             <a:prstGeom prst="ellipse">
@@ -5775,7 +5775,7 @@
           </p:nvSpPr>
           <p:spPr>
             <a:xfrm>
-              <a:off x="5093831" y="2477433"/>
+              <a:off x="5093608" y="2479282"/>
               <a:ext cx="49651" cy="49651"/>
             </a:xfrm>
             <a:prstGeom prst="ellipse">
@@ -5810,7 +5810,7 @@
           </p:nvSpPr>
           <p:spPr>
             <a:xfrm>
-              <a:off x="5093831" y="2477433"/>
+              <a:off x="5093608" y="2479282"/>
               <a:ext cx="49651" cy="49651"/>
             </a:xfrm>
             <a:prstGeom prst="ellipse">
@@ -5845,7 +5845,7 @@
           </p:nvSpPr>
           <p:spPr>
             <a:xfrm>
-              <a:off x="5093831" y="2477433"/>
+              <a:off x="5093608" y="2479282"/>
               <a:ext cx="49651" cy="49651"/>
             </a:xfrm>
             <a:prstGeom prst="ellipse">
@@ -5880,7 +5880,7 @@
           </p:nvSpPr>
           <p:spPr>
             <a:xfrm>
-              <a:off x="5039383" y="2477433"/>
+              <a:off x="5039131" y="2479282"/>
               <a:ext cx="49651" cy="49651"/>
             </a:xfrm>
             <a:prstGeom prst="ellipse">
@@ -5915,7 +5915,7 @@
           </p:nvSpPr>
           <p:spPr>
             <a:xfrm>
-              <a:off x="4821588" y="2477433"/>
+              <a:off x="4821220" y="2479282"/>
               <a:ext cx="49651" cy="49651"/>
             </a:xfrm>
             <a:prstGeom prst="ellipse">
@@ -5950,7 +5950,7 @@
           </p:nvSpPr>
           <p:spPr>
             <a:xfrm>
-              <a:off x="5093831" y="2477433"/>
+              <a:off x="5093608" y="2479282"/>
               <a:ext cx="49651" cy="49651"/>
             </a:xfrm>
             <a:prstGeom prst="ellipse">
@@ -5985,7 +5985,7 @@
           </p:nvSpPr>
           <p:spPr>
             <a:xfrm>
-              <a:off x="5093831" y="2477433"/>
+              <a:off x="5093608" y="2479282"/>
               <a:ext cx="49651" cy="49651"/>
             </a:xfrm>
             <a:prstGeom prst="ellipse">
@@ -6020,7 +6020,7 @@
           </p:nvSpPr>
           <p:spPr>
             <a:xfrm>
-              <a:off x="5093831" y="2477433"/>
+              <a:off x="5093608" y="2479282"/>
               <a:ext cx="49651" cy="49651"/>
             </a:xfrm>
             <a:prstGeom prst="ellipse">
@@ -6055,7 +6055,7 @@
           </p:nvSpPr>
           <p:spPr>
             <a:xfrm>
-              <a:off x="4767139" y="2477433"/>
+              <a:off x="4766743" y="2479282"/>
               <a:ext cx="49651" cy="49651"/>
             </a:xfrm>
             <a:prstGeom prst="ellipse">
@@ -6090,7 +6090,7 @@
           </p:nvSpPr>
           <p:spPr>
             <a:xfrm>
-              <a:off x="5093831" y="2477433"/>
+              <a:off x="5093608" y="2479282"/>
               <a:ext cx="49651" cy="49651"/>
             </a:xfrm>
             <a:prstGeom prst="ellipse">
@@ -6125,7 +6125,7 @@
           </p:nvSpPr>
           <p:spPr>
             <a:xfrm>
-              <a:off x="4767139" y="2477433"/>
+              <a:off x="4766743" y="2479282"/>
               <a:ext cx="49651" cy="49651"/>
             </a:xfrm>
             <a:prstGeom prst="ellipse">
@@ -6160,7 +6160,7 @@
           </p:nvSpPr>
           <p:spPr>
             <a:xfrm>
-              <a:off x="5039383" y="2477433"/>
+              <a:off x="5039131" y="2479282"/>
               <a:ext cx="49651" cy="49651"/>
             </a:xfrm>
             <a:prstGeom prst="ellipse">
@@ -6195,7 +6195,7 @@
           </p:nvSpPr>
           <p:spPr>
             <a:xfrm>
-              <a:off x="5093831" y="2477433"/>
+              <a:off x="5093608" y="2479282"/>
               <a:ext cx="49651" cy="49651"/>
             </a:xfrm>
             <a:prstGeom prst="ellipse">
@@ -6230,7 +6230,7 @@
           </p:nvSpPr>
           <p:spPr>
             <a:xfrm>
-              <a:off x="5093831" y="2477433"/>
+              <a:off x="5093608" y="2479282"/>
               <a:ext cx="49651" cy="49651"/>
             </a:xfrm>
             <a:prstGeom prst="ellipse">
@@ -6265,7 +6265,7 @@
           </p:nvSpPr>
           <p:spPr>
             <a:xfrm>
-              <a:off x="5093831" y="2477433"/>
+              <a:off x="5093608" y="2479282"/>
               <a:ext cx="49651" cy="49651"/>
             </a:xfrm>
             <a:prstGeom prst="ellipse">
@@ -6300,7 +6300,7 @@
           </p:nvSpPr>
           <p:spPr>
             <a:xfrm>
-              <a:off x="5025770" y="2477433"/>
+              <a:off x="5025511" y="2479282"/>
               <a:ext cx="49651" cy="49651"/>
             </a:xfrm>
             <a:prstGeom prst="ellipse">
@@ -6335,7 +6335,7 @@
           </p:nvSpPr>
           <p:spPr>
             <a:xfrm>
-              <a:off x="5093831" y="2477433"/>
+              <a:off x="5093608" y="2479282"/>
               <a:ext cx="49651" cy="49651"/>
             </a:xfrm>
             <a:prstGeom prst="ellipse">
@@ -6370,7 +6370,7 @@
           </p:nvSpPr>
           <p:spPr>
             <a:xfrm>
-              <a:off x="4821588" y="2477433"/>
+              <a:off x="4821220" y="2479282"/>
               <a:ext cx="49651" cy="49651"/>
             </a:xfrm>
             <a:prstGeom prst="ellipse">
@@ -6405,7 +6405,7 @@
           </p:nvSpPr>
           <p:spPr>
             <a:xfrm>
-              <a:off x="5093831" y="2477433"/>
+              <a:off x="5093608" y="2479282"/>
               <a:ext cx="49651" cy="49651"/>
             </a:xfrm>
             <a:prstGeom prst="ellipse">
@@ -6440,7 +6440,7 @@
           </p:nvSpPr>
           <p:spPr>
             <a:xfrm>
-              <a:off x="5093831" y="2477433"/>
+              <a:off x="5093608" y="2479282"/>
               <a:ext cx="49651" cy="49651"/>
             </a:xfrm>
             <a:prstGeom prst="ellipse">
@@ -6475,7 +6475,7 @@
           </p:nvSpPr>
           <p:spPr>
             <a:xfrm>
-              <a:off x="5039383" y="2477433"/>
+              <a:off x="5039131" y="2479282"/>
               <a:ext cx="49651" cy="49651"/>
             </a:xfrm>
             <a:prstGeom prst="ellipse">
@@ -6510,7 +6510,7 @@
           </p:nvSpPr>
           <p:spPr>
             <a:xfrm>
-              <a:off x="5093831" y="2477433"/>
+              <a:off x="5093608" y="2479282"/>
               <a:ext cx="49651" cy="49651"/>
             </a:xfrm>
             <a:prstGeom prst="ellipse">
@@ -6545,7 +6545,7 @@
           </p:nvSpPr>
           <p:spPr>
             <a:xfrm>
-              <a:off x="5039383" y="2477433"/>
+              <a:off x="5039131" y="2479282"/>
               <a:ext cx="49651" cy="49651"/>
             </a:xfrm>
             <a:prstGeom prst="ellipse">
@@ -6580,7 +6580,7 @@
           </p:nvSpPr>
           <p:spPr>
             <a:xfrm>
-              <a:off x="5093831" y="2477433"/>
+              <a:off x="5093608" y="2479282"/>
               <a:ext cx="49651" cy="49651"/>
             </a:xfrm>
             <a:prstGeom prst="ellipse">
@@ -6615,7 +6615,7 @@
           </p:nvSpPr>
           <p:spPr>
             <a:xfrm>
-              <a:off x="4767139" y="2477433"/>
+              <a:off x="4766743" y="2479282"/>
               <a:ext cx="49651" cy="49651"/>
             </a:xfrm>
             <a:prstGeom prst="ellipse">
@@ -6650,7 +6650,7 @@
           </p:nvSpPr>
           <p:spPr>
             <a:xfrm>
-              <a:off x="5093831" y="2477433"/>
+              <a:off x="5093608" y="2479282"/>
               <a:ext cx="49651" cy="49651"/>
             </a:xfrm>
             <a:prstGeom prst="ellipse">
@@ -6685,7 +6685,7 @@
           </p:nvSpPr>
           <p:spPr>
             <a:xfrm>
-              <a:off x="4821588" y="2477433"/>
+              <a:off x="4821220" y="2479282"/>
               <a:ext cx="49651" cy="49651"/>
             </a:xfrm>
             <a:prstGeom prst="ellipse">
@@ -6720,7 +6720,7 @@
           </p:nvSpPr>
           <p:spPr>
             <a:xfrm>
-              <a:off x="4821588" y="2477433"/>
+              <a:off x="4821220" y="2479282"/>
               <a:ext cx="49651" cy="49651"/>
             </a:xfrm>
             <a:prstGeom prst="ellipse">
@@ -6755,7 +6755,7 @@
           </p:nvSpPr>
           <p:spPr>
             <a:xfrm>
-              <a:off x="5039383" y="2477433"/>
+              <a:off x="5039131" y="2479282"/>
               <a:ext cx="49651" cy="49651"/>
             </a:xfrm>
             <a:prstGeom prst="ellipse">
@@ -6790,7 +6790,7 @@
           </p:nvSpPr>
           <p:spPr>
             <a:xfrm>
-              <a:off x="4821588" y="2477433"/>
+              <a:off x="4821220" y="2479282"/>
               <a:ext cx="49651" cy="49651"/>
             </a:xfrm>
             <a:prstGeom prst="ellipse">
@@ -6825,7 +6825,7 @@
           </p:nvSpPr>
           <p:spPr>
             <a:xfrm>
-              <a:off x="4957710" y="2477433"/>
+              <a:off x="4957414" y="2479282"/>
               <a:ext cx="49651" cy="49651"/>
             </a:xfrm>
             <a:prstGeom prst="ellipse">
@@ -6860,7 +6860,7 @@
           </p:nvSpPr>
           <p:spPr>
             <a:xfrm>
-              <a:off x="5093831" y="2477433"/>
+              <a:off x="5093608" y="2479282"/>
               <a:ext cx="49651" cy="49651"/>
             </a:xfrm>
             <a:prstGeom prst="ellipse">
@@ -6895,7 +6895,7 @@
           </p:nvSpPr>
           <p:spPr>
             <a:xfrm>
-              <a:off x="5093831" y="2477433"/>
+              <a:off x="5093608" y="2479282"/>
               <a:ext cx="49651" cy="49651"/>
             </a:xfrm>
             <a:prstGeom prst="ellipse">
@@ -6930,7 +6930,7 @@
           </p:nvSpPr>
           <p:spPr>
             <a:xfrm>
-              <a:off x="5093831" y="2477433"/>
+              <a:off x="5093608" y="2479282"/>
               <a:ext cx="49651" cy="49651"/>
             </a:xfrm>
             <a:prstGeom prst="ellipse">
@@ -6965,7 +6965,7 @@
           </p:nvSpPr>
           <p:spPr>
             <a:xfrm>
-              <a:off x="5093831" y="2477433"/>
+              <a:off x="5093608" y="2479282"/>
               <a:ext cx="49651" cy="49651"/>
             </a:xfrm>
             <a:prstGeom prst="ellipse">
@@ -7000,7 +7000,7 @@
           </p:nvSpPr>
           <p:spPr>
             <a:xfrm>
-              <a:off x="5093831" y="2477433"/>
+              <a:off x="5093608" y="2479282"/>
               <a:ext cx="49651" cy="49651"/>
             </a:xfrm>
             <a:prstGeom prst="ellipse">
@@ -7035,7 +7035,7 @@
           </p:nvSpPr>
           <p:spPr>
             <a:xfrm>
-              <a:off x="5093831" y="2477433"/>
+              <a:off x="5093608" y="2479282"/>
               <a:ext cx="49651" cy="49651"/>
             </a:xfrm>
             <a:prstGeom prst="ellipse">
@@ -7070,7 +7070,7 @@
           </p:nvSpPr>
           <p:spPr>
             <a:xfrm>
-              <a:off x="5093831" y="2477433"/>
+              <a:off x="5093608" y="2479282"/>
               <a:ext cx="49651" cy="49651"/>
             </a:xfrm>
             <a:prstGeom prst="ellipse">
@@ -7105,7 +7105,7 @@
           </p:nvSpPr>
           <p:spPr>
             <a:xfrm>
-              <a:off x="5093831" y="2477433"/>
+              <a:off x="5093608" y="2479282"/>
               <a:ext cx="49651" cy="49651"/>
             </a:xfrm>
             <a:prstGeom prst="ellipse">
@@ -7140,7 +7140,7 @@
           </p:nvSpPr>
           <p:spPr>
             <a:xfrm>
-              <a:off x="5093831" y="2477433"/>
+              <a:off x="5093608" y="2479282"/>
               <a:ext cx="49651" cy="49651"/>
             </a:xfrm>
             <a:prstGeom prst="ellipse">
@@ -7175,7 +7175,7 @@
           </p:nvSpPr>
           <p:spPr>
             <a:xfrm>
-              <a:off x="5093831" y="2477433"/>
+              <a:off x="5093608" y="2479282"/>
               <a:ext cx="49651" cy="49651"/>
             </a:xfrm>
             <a:prstGeom prst="ellipse">
@@ -7210,7 +7210,7 @@
           </p:nvSpPr>
           <p:spPr>
             <a:xfrm>
-              <a:off x="5093831" y="2477433"/>
+              <a:off x="5093608" y="2479282"/>
               <a:ext cx="49651" cy="49651"/>
             </a:xfrm>
             <a:prstGeom prst="ellipse">
@@ -7245,7 +7245,7 @@
           </p:nvSpPr>
           <p:spPr>
             <a:xfrm>
-              <a:off x="5093831" y="2477433"/>
+              <a:off x="5093608" y="2479282"/>
               <a:ext cx="49651" cy="49651"/>
             </a:xfrm>
             <a:prstGeom prst="ellipse">
@@ -7280,7 +7280,7 @@
           </p:nvSpPr>
           <p:spPr>
             <a:xfrm>
-              <a:off x="5093831" y="2477433"/>
+              <a:off x="5093608" y="2479282"/>
               <a:ext cx="49651" cy="49651"/>
             </a:xfrm>
             <a:prstGeom prst="ellipse">
@@ -7315,7 +7315,7 @@
           </p:nvSpPr>
           <p:spPr>
             <a:xfrm>
-              <a:off x="4821588" y="2477433"/>
+              <a:off x="4821220" y="2479282"/>
               <a:ext cx="49651" cy="49651"/>
             </a:xfrm>
             <a:prstGeom prst="ellipse">
@@ -7350,7 +7350,7 @@
           </p:nvSpPr>
           <p:spPr>
             <a:xfrm>
-              <a:off x="4821588" y="2477433"/>
+              <a:off x="4821220" y="2479282"/>
               <a:ext cx="49651" cy="49651"/>
             </a:xfrm>
             <a:prstGeom prst="ellipse">
@@ -7385,7 +7385,7 @@
           </p:nvSpPr>
           <p:spPr>
             <a:xfrm>
-              <a:off x="5093831" y="2477433"/>
+              <a:off x="5093608" y="2479282"/>
               <a:ext cx="49651" cy="49651"/>
             </a:xfrm>
             <a:prstGeom prst="ellipse">
@@ -7420,7 +7420,7 @@
           </p:nvSpPr>
           <p:spPr>
             <a:xfrm>
-              <a:off x="5093831" y="2477433"/>
+              <a:off x="5093608" y="2479282"/>
               <a:ext cx="49651" cy="49651"/>
             </a:xfrm>
             <a:prstGeom prst="ellipse">
@@ -7455,7 +7455,7 @@
           </p:nvSpPr>
           <p:spPr>
             <a:xfrm>
-              <a:off x="5039383" y="2477433"/>
+              <a:off x="5039131" y="2479282"/>
               <a:ext cx="49651" cy="49651"/>
             </a:xfrm>
             <a:prstGeom prst="ellipse">
@@ -7490,7 +7490,7 @@
           </p:nvSpPr>
           <p:spPr>
             <a:xfrm>
-              <a:off x="5093831" y="2477433"/>
+              <a:off x="5093608" y="2479282"/>
               <a:ext cx="49651" cy="49651"/>
             </a:xfrm>
             <a:prstGeom prst="ellipse">
@@ -7525,7 +7525,7 @@
           </p:nvSpPr>
           <p:spPr>
             <a:xfrm>
-              <a:off x="5093831" y="2477433"/>
+              <a:off x="5093608" y="2479282"/>
               <a:ext cx="49651" cy="49651"/>
             </a:xfrm>
             <a:prstGeom prst="ellipse">
@@ -7560,7 +7560,7 @@
           </p:nvSpPr>
           <p:spPr>
             <a:xfrm>
-              <a:off x="4821588" y="2477433"/>
+              <a:off x="4821220" y="2479282"/>
               <a:ext cx="49651" cy="49651"/>
             </a:xfrm>
             <a:prstGeom prst="ellipse">
@@ -7595,7 +7595,7 @@
           </p:nvSpPr>
           <p:spPr>
             <a:xfrm>
-              <a:off x="5093831" y="2477433"/>
+              <a:off x="5093608" y="2479282"/>
               <a:ext cx="49651" cy="49651"/>
             </a:xfrm>
             <a:prstGeom prst="ellipse">
@@ -7630,7 +7630,7 @@
           </p:nvSpPr>
           <p:spPr>
             <a:xfrm>
-              <a:off x="5093831" y="2477433"/>
+              <a:off x="5093608" y="2479282"/>
               <a:ext cx="49651" cy="49651"/>
             </a:xfrm>
             <a:prstGeom prst="ellipse">
@@ -7665,7 +7665,7 @@
           </p:nvSpPr>
           <p:spPr>
             <a:xfrm>
-              <a:off x="5148280" y="2477433"/>
+              <a:off x="5148086" y="2479282"/>
               <a:ext cx="49651" cy="49651"/>
             </a:xfrm>
             <a:prstGeom prst="ellipse">
@@ -7700,7 +7700,7 @@
           </p:nvSpPr>
           <p:spPr>
             <a:xfrm>
-              <a:off x="5093831" y="2477433"/>
+              <a:off x="5093608" y="2479282"/>
               <a:ext cx="49651" cy="49651"/>
             </a:xfrm>
             <a:prstGeom prst="ellipse">
@@ -7735,7 +7735,7 @@
           </p:nvSpPr>
           <p:spPr>
             <a:xfrm>
-              <a:off x="5039383" y="2477433"/>
+              <a:off x="5039131" y="2479282"/>
               <a:ext cx="49651" cy="49651"/>
             </a:xfrm>
             <a:prstGeom prst="ellipse">
@@ -7770,7 +7770,7 @@
           </p:nvSpPr>
           <p:spPr>
             <a:xfrm>
-              <a:off x="5093831" y="2477433"/>
+              <a:off x="5093608" y="2479282"/>
               <a:ext cx="49651" cy="49651"/>
             </a:xfrm>
             <a:prstGeom prst="ellipse">
@@ -7805,7 +7805,7 @@
           </p:nvSpPr>
           <p:spPr>
             <a:xfrm>
-              <a:off x="5093831" y="2477433"/>
+              <a:off x="5093608" y="2479282"/>
               <a:ext cx="49651" cy="49651"/>
             </a:xfrm>
             <a:prstGeom prst="ellipse">
@@ -7840,7 +7840,7 @@
           </p:nvSpPr>
           <p:spPr>
             <a:xfrm>
-              <a:off x="5093831" y="2477433"/>
+              <a:off x="5093608" y="2479282"/>
               <a:ext cx="49651" cy="49651"/>
             </a:xfrm>
             <a:prstGeom prst="ellipse">
@@ -7875,7 +7875,7 @@
           </p:nvSpPr>
           <p:spPr>
             <a:xfrm>
-              <a:off x="5093831" y="2477433"/>
+              <a:off x="5093608" y="2479282"/>
               <a:ext cx="49651" cy="49651"/>
             </a:xfrm>
             <a:prstGeom prst="ellipse">
@@ -7910,7 +7910,7 @@
           </p:nvSpPr>
           <p:spPr>
             <a:xfrm>
-              <a:off x="5093831" y="2477433"/>
+              <a:off x="5093608" y="2479282"/>
               <a:ext cx="49651" cy="49651"/>
             </a:xfrm>
             <a:prstGeom prst="ellipse">
@@ -7945,7 +7945,7 @@
           </p:nvSpPr>
           <p:spPr>
             <a:xfrm>
-              <a:off x="5093831" y="2477433"/>
+              <a:off x="5093608" y="2479282"/>
               <a:ext cx="49651" cy="49651"/>
             </a:xfrm>
             <a:prstGeom prst="ellipse">
@@ -7980,7 +7980,7 @@
           </p:nvSpPr>
           <p:spPr>
             <a:xfrm>
-              <a:off x="5093831" y="2477433"/>
+              <a:off x="5093608" y="2479282"/>
               <a:ext cx="49651" cy="49651"/>
             </a:xfrm>
             <a:prstGeom prst="ellipse">
@@ -8015,7 +8015,7 @@
           </p:nvSpPr>
           <p:spPr>
             <a:xfrm>
-              <a:off x="5093831" y="2477433"/>
+              <a:off x="5093608" y="2479282"/>
               <a:ext cx="49651" cy="49651"/>
             </a:xfrm>
             <a:prstGeom prst="ellipse">
@@ -8050,7 +8050,7 @@
           </p:nvSpPr>
           <p:spPr>
             <a:xfrm>
-              <a:off x="5066607" y="2477433"/>
+              <a:off x="5066369" y="2479282"/>
               <a:ext cx="49651" cy="49651"/>
             </a:xfrm>
             <a:prstGeom prst="ellipse">
@@ -8085,7 +8085,7 @@
           </p:nvSpPr>
           <p:spPr>
             <a:xfrm>
-              <a:off x="5039383" y="2477433"/>
+              <a:off x="5039131" y="2479282"/>
               <a:ext cx="49651" cy="49651"/>
             </a:xfrm>
             <a:prstGeom prst="ellipse">
@@ -8120,7 +8120,7 @@
           </p:nvSpPr>
           <p:spPr>
             <a:xfrm>
-              <a:off x="4821588" y="2477433"/>
+              <a:off x="4821220" y="2479282"/>
               <a:ext cx="49651" cy="49651"/>
             </a:xfrm>
             <a:prstGeom prst="ellipse">
@@ -8155,7 +8155,7 @@
           </p:nvSpPr>
           <p:spPr>
             <a:xfrm>
-              <a:off x="5093831" y="2477433"/>
+              <a:off x="5093608" y="2479282"/>
               <a:ext cx="49651" cy="49651"/>
             </a:xfrm>
             <a:prstGeom prst="ellipse">
@@ -8190,7 +8190,7 @@
           </p:nvSpPr>
           <p:spPr>
             <a:xfrm>
-              <a:off x="5093831" y="2477433"/>
+              <a:off x="5093608" y="2479282"/>
               <a:ext cx="49651" cy="49651"/>
             </a:xfrm>
             <a:prstGeom prst="ellipse">
@@ -8225,7 +8225,7 @@
           </p:nvSpPr>
           <p:spPr>
             <a:xfrm>
-              <a:off x="5093831" y="2477433"/>
+              <a:off x="5093608" y="2479282"/>
               <a:ext cx="49651" cy="49651"/>
             </a:xfrm>
             <a:prstGeom prst="ellipse">
@@ -8260,7 +8260,7 @@
           </p:nvSpPr>
           <p:spPr>
             <a:xfrm>
-              <a:off x="4821588" y="2477433"/>
+              <a:off x="4821220" y="2479282"/>
               <a:ext cx="49651" cy="49651"/>
             </a:xfrm>
             <a:prstGeom prst="ellipse">
@@ -8295,7 +8295,7 @@
           </p:nvSpPr>
           <p:spPr>
             <a:xfrm>
-              <a:off x="5066607" y="2477433"/>
+              <a:off x="5066369" y="2479282"/>
               <a:ext cx="49651" cy="49651"/>
             </a:xfrm>
             <a:prstGeom prst="ellipse">
@@ -8330,7 +8330,7 @@
           </p:nvSpPr>
           <p:spPr>
             <a:xfrm>
-              <a:off x="5093831" y="2477433"/>
+              <a:off x="5093608" y="2479282"/>
               <a:ext cx="49651" cy="49651"/>
             </a:xfrm>
             <a:prstGeom prst="ellipse">
@@ -8365,7 +8365,7 @@
           </p:nvSpPr>
           <p:spPr>
             <a:xfrm>
-              <a:off x="5093831" y="2477433"/>
+              <a:off x="5093608" y="2479282"/>
               <a:ext cx="49651" cy="49651"/>
             </a:xfrm>
             <a:prstGeom prst="ellipse">
@@ -8400,7 +8400,7 @@
           </p:nvSpPr>
           <p:spPr>
             <a:xfrm>
-              <a:off x="5093831" y="2477433"/>
+              <a:off x="5093608" y="2479282"/>
               <a:ext cx="49651" cy="49651"/>
             </a:xfrm>
             <a:prstGeom prst="ellipse">
@@ -8435,7 +8435,7 @@
           </p:nvSpPr>
           <p:spPr>
             <a:xfrm>
-              <a:off x="5093831" y="2477433"/>
+              <a:off x="5093608" y="2479282"/>
               <a:ext cx="49651" cy="49651"/>
             </a:xfrm>
             <a:prstGeom prst="ellipse">
@@ -8470,7 +8470,7 @@
           </p:nvSpPr>
           <p:spPr>
             <a:xfrm>
-              <a:off x="5093831" y="2477433"/>
+              <a:off x="5093608" y="2479282"/>
               <a:ext cx="49651" cy="49651"/>
             </a:xfrm>
             <a:prstGeom prst="ellipse">
@@ -8505,7 +8505,7 @@
           </p:nvSpPr>
           <p:spPr>
             <a:xfrm>
-              <a:off x="5093831" y="2477433"/>
+              <a:off x="5093608" y="2479282"/>
               <a:ext cx="49651" cy="49651"/>
             </a:xfrm>
             <a:prstGeom prst="ellipse">
@@ -8540,7 +8540,7 @@
           </p:nvSpPr>
           <p:spPr>
             <a:xfrm>
-              <a:off x="5093831" y="2477433"/>
+              <a:off x="5093608" y="2479282"/>
               <a:ext cx="49651" cy="49651"/>
             </a:xfrm>
             <a:prstGeom prst="ellipse">
@@ -8575,7 +8575,7 @@
           </p:nvSpPr>
           <p:spPr>
             <a:xfrm>
-              <a:off x="4821588" y="2477433"/>
+              <a:off x="4821220" y="2479282"/>
               <a:ext cx="49651" cy="49651"/>
             </a:xfrm>
             <a:prstGeom prst="ellipse">
@@ -8610,7 +8610,7 @@
           </p:nvSpPr>
           <p:spPr>
             <a:xfrm>
-              <a:off x="5093831" y="2477433"/>
+              <a:off x="5093608" y="2479282"/>
               <a:ext cx="49651" cy="49651"/>
             </a:xfrm>
             <a:prstGeom prst="ellipse">
@@ -8645,7 +8645,7 @@
           </p:nvSpPr>
           <p:spPr>
             <a:xfrm>
-              <a:off x="5093831" y="2477433"/>
+              <a:off x="5093608" y="2479282"/>
               <a:ext cx="49651" cy="49651"/>
             </a:xfrm>
             <a:prstGeom prst="ellipse">
@@ -8680,7 +8680,7 @@
           </p:nvSpPr>
           <p:spPr>
             <a:xfrm>
-              <a:off x="5093831" y="2477433"/>
+              <a:off x="5093608" y="2479282"/>
               <a:ext cx="49651" cy="49651"/>
             </a:xfrm>
             <a:prstGeom prst="ellipse">
@@ -8715,7 +8715,7 @@
           </p:nvSpPr>
           <p:spPr>
             <a:xfrm>
-              <a:off x="4821588" y="2477433"/>
+              <a:off x="4821220" y="2479282"/>
               <a:ext cx="49651" cy="49651"/>
             </a:xfrm>
             <a:prstGeom prst="ellipse">
@@ -8750,7 +8750,7 @@
           </p:nvSpPr>
           <p:spPr>
             <a:xfrm>
-              <a:off x="5093831" y="2477433"/>
+              <a:off x="5093608" y="2479282"/>
               <a:ext cx="49651" cy="49651"/>
             </a:xfrm>
             <a:prstGeom prst="ellipse">
@@ -8785,7 +8785,7 @@
           </p:nvSpPr>
           <p:spPr>
             <a:xfrm>
-              <a:off x="4821588" y="2477433"/>
+              <a:off x="4821220" y="2479282"/>
               <a:ext cx="49651" cy="49651"/>
             </a:xfrm>
             <a:prstGeom prst="ellipse">
@@ -8820,7 +8820,7 @@
           </p:nvSpPr>
           <p:spPr>
             <a:xfrm>
-              <a:off x="5093831" y="2477433"/>
+              <a:off x="5093608" y="2479282"/>
               <a:ext cx="49651" cy="49651"/>
             </a:xfrm>
             <a:prstGeom prst="ellipse">
@@ -8855,7 +8855,7 @@
           </p:nvSpPr>
           <p:spPr>
             <a:xfrm>
-              <a:off x="4821588" y="2477433"/>
+              <a:off x="4821220" y="2479282"/>
               <a:ext cx="49651" cy="49651"/>
             </a:xfrm>
             <a:prstGeom prst="ellipse">
@@ -8890,7 +8890,7 @@
           </p:nvSpPr>
           <p:spPr>
             <a:xfrm>
-              <a:off x="5366075" y="2477433"/>
+              <a:off x="5365996" y="2479282"/>
               <a:ext cx="49651" cy="49651"/>
             </a:xfrm>
             <a:prstGeom prst="ellipse">
@@ -8925,7 +8925,7 @@
           </p:nvSpPr>
           <p:spPr>
             <a:xfrm>
-              <a:off x="5093831" y="2477433"/>
+              <a:off x="5093608" y="2479282"/>
               <a:ext cx="49651" cy="49651"/>
             </a:xfrm>
             <a:prstGeom prst="ellipse">
@@ -8960,7 +8960,7 @@
           </p:nvSpPr>
           <p:spPr>
             <a:xfrm>
-              <a:off x="5093831" y="2477433"/>
+              <a:off x="5093608" y="2479282"/>
               <a:ext cx="49651" cy="49651"/>
             </a:xfrm>
             <a:prstGeom prst="ellipse">
@@ -8995,7 +8995,7 @@
           </p:nvSpPr>
           <p:spPr>
             <a:xfrm>
-              <a:off x="5093831" y="2477433"/>
+              <a:off x="5093608" y="2479282"/>
               <a:ext cx="49651" cy="49651"/>
             </a:xfrm>
             <a:prstGeom prst="ellipse">
@@ -9030,7 +9030,7 @@
           </p:nvSpPr>
           <p:spPr>
             <a:xfrm>
-              <a:off x="5066607" y="2477433"/>
+              <a:off x="5066369" y="2479282"/>
               <a:ext cx="49651" cy="49651"/>
             </a:xfrm>
             <a:prstGeom prst="ellipse">
@@ -9065,7 +9065,7 @@
           </p:nvSpPr>
           <p:spPr>
             <a:xfrm>
-              <a:off x="5093831" y="2477433"/>
+              <a:off x="5093608" y="2479282"/>
               <a:ext cx="49651" cy="49651"/>
             </a:xfrm>
             <a:prstGeom prst="ellipse">
@@ -9100,7 +9100,7 @@
           </p:nvSpPr>
           <p:spPr>
             <a:xfrm>
-              <a:off x="5093831" y="2477433"/>
+              <a:off x="5093608" y="2479282"/>
               <a:ext cx="49651" cy="49651"/>
             </a:xfrm>
             <a:prstGeom prst="ellipse">
@@ -9135,7 +9135,7 @@
           </p:nvSpPr>
           <p:spPr>
             <a:xfrm>
-              <a:off x="5093831" y="2477433"/>
+              <a:off x="5093608" y="2479282"/>
               <a:ext cx="49651" cy="49651"/>
             </a:xfrm>
             <a:prstGeom prst="ellipse">
@@ -9170,7 +9170,7 @@
           </p:nvSpPr>
           <p:spPr>
             <a:xfrm>
-              <a:off x="5093831" y="2477433"/>
+              <a:off x="5093608" y="2479282"/>
               <a:ext cx="49651" cy="49651"/>
             </a:xfrm>
             <a:prstGeom prst="ellipse">
@@ -9205,7 +9205,7 @@
           </p:nvSpPr>
           <p:spPr>
             <a:xfrm>
-              <a:off x="5093831" y="2477433"/>
+              <a:off x="5093608" y="2479282"/>
               <a:ext cx="49651" cy="49651"/>
             </a:xfrm>
             <a:prstGeom prst="ellipse">
@@ -9240,7 +9240,7 @@
           </p:nvSpPr>
           <p:spPr>
             <a:xfrm>
-              <a:off x="5093831" y="2477433"/>
+              <a:off x="5093608" y="2479282"/>
               <a:ext cx="49651" cy="49651"/>
             </a:xfrm>
             <a:prstGeom prst="ellipse">
@@ -9275,7 +9275,7 @@
           </p:nvSpPr>
           <p:spPr>
             <a:xfrm>
-              <a:off x="5093831" y="2477433"/>
+              <a:off x="5093608" y="2479282"/>
               <a:ext cx="49651" cy="49651"/>
             </a:xfrm>
             <a:prstGeom prst="ellipse">
@@ -9310,7 +9310,7 @@
           </p:nvSpPr>
           <p:spPr>
             <a:xfrm>
-              <a:off x="4821588" y="2477433"/>
+              <a:off x="4821220" y="2479282"/>
               <a:ext cx="49651" cy="49651"/>
             </a:xfrm>
             <a:prstGeom prst="ellipse">
@@ -9345,7 +9345,7 @@
           </p:nvSpPr>
           <p:spPr>
             <a:xfrm>
-              <a:off x="5093831" y="2477433"/>
+              <a:off x="5093608" y="2479282"/>
               <a:ext cx="49651" cy="49651"/>
             </a:xfrm>
             <a:prstGeom prst="ellipse">
@@ -9380,7 +9380,7 @@
           </p:nvSpPr>
           <p:spPr>
             <a:xfrm>
-              <a:off x="4821588" y="2477433"/>
+              <a:off x="4821220" y="2479282"/>
               <a:ext cx="49651" cy="49651"/>
             </a:xfrm>
             <a:prstGeom prst="ellipse">
@@ -9415,7 +9415,7 @@
           </p:nvSpPr>
           <p:spPr>
             <a:xfrm>
-              <a:off x="5093831" y="2477433"/>
+              <a:off x="5093608" y="2479282"/>
               <a:ext cx="49651" cy="49651"/>
             </a:xfrm>
             <a:prstGeom prst="ellipse">
@@ -9450,7 +9450,7 @@
           </p:nvSpPr>
           <p:spPr>
             <a:xfrm>
-              <a:off x="5093831" y="2477433"/>
+              <a:off x="5093608" y="2479282"/>
               <a:ext cx="49651" cy="49651"/>
             </a:xfrm>
             <a:prstGeom prst="ellipse">
@@ -9485,7 +9485,7 @@
           </p:nvSpPr>
           <p:spPr>
             <a:xfrm>
-              <a:off x="5093831" y="2477433"/>
+              <a:off x="5093608" y="2479282"/>
               <a:ext cx="49651" cy="49651"/>
             </a:xfrm>
             <a:prstGeom prst="ellipse">
@@ -9520,7 +9520,7 @@
           </p:nvSpPr>
           <p:spPr>
             <a:xfrm>
-              <a:off x="5093831" y="2477433"/>
+              <a:off x="5093608" y="2479282"/>
               <a:ext cx="49651" cy="49651"/>
             </a:xfrm>
             <a:prstGeom prst="ellipse">
@@ -9555,7 +9555,7 @@
           </p:nvSpPr>
           <p:spPr>
             <a:xfrm>
-              <a:off x="5093831" y="2477433"/>
+              <a:off x="5093608" y="2479282"/>
               <a:ext cx="49651" cy="49651"/>
             </a:xfrm>
             <a:prstGeom prst="ellipse">
@@ -9590,7 +9590,7 @@
           </p:nvSpPr>
           <p:spPr>
             <a:xfrm>
-              <a:off x="5093831" y="2477433"/>
+              <a:off x="5093608" y="2479282"/>
               <a:ext cx="49651" cy="49651"/>
             </a:xfrm>
             <a:prstGeom prst="ellipse">
@@ -9625,7 +9625,7 @@
           </p:nvSpPr>
           <p:spPr>
             <a:xfrm>
-              <a:off x="5093831" y="2477433"/>
+              <a:off x="5093608" y="2479282"/>
               <a:ext cx="49651" cy="49651"/>
             </a:xfrm>
             <a:prstGeom prst="ellipse">
@@ -9660,7 +9660,7 @@
           </p:nvSpPr>
           <p:spPr>
             <a:xfrm>
-              <a:off x="5093831" y="2477433"/>
+              <a:off x="5093608" y="2479282"/>
               <a:ext cx="49651" cy="49651"/>
             </a:xfrm>
             <a:prstGeom prst="ellipse">
@@ -9695,7 +9695,7 @@
           </p:nvSpPr>
           <p:spPr>
             <a:xfrm>
-              <a:off x="5093831" y="2477433"/>
+              <a:off x="5093608" y="2479282"/>
               <a:ext cx="49651" cy="49651"/>
             </a:xfrm>
             <a:prstGeom prst="ellipse">
@@ -9730,7 +9730,7 @@
           </p:nvSpPr>
           <p:spPr>
             <a:xfrm>
-              <a:off x="5093831" y="2477433"/>
+              <a:off x="5093608" y="2479282"/>
               <a:ext cx="49651" cy="49651"/>
             </a:xfrm>
             <a:prstGeom prst="ellipse">
@@ -9765,7 +9765,7 @@
           </p:nvSpPr>
           <p:spPr>
             <a:xfrm>
-              <a:off x="5093831" y="2477433"/>
+              <a:off x="5093608" y="2479282"/>
               <a:ext cx="49651" cy="49651"/>
             </a:xfrm>
             <a:prstGeom prst="ellipse">
@@ -9800,7 +9800,7 @@
           </p:nvSpPr>
           <p:spPr>
             <a:xfrm>
-              <a:off x="5093831" y="2477433"/>
+              <a:off x="5093608" y="2479282"/>
               <a:ext cx="49651" cy="49651"/>
             </a:xfrm>
             <a:prstGeom prst="ellipse">
@@ -9835,7 +9835,7 @@
           </p:nvSpPr>
           <p:spPr>
             <a:xfrm>
-              <a:off x="5039383" y="2477433"/>
+              <a:off x="5039131" y="2479282"/>
               <a:ext cx="49651" cy="49651"/>
             </a:xfrm>
             <a:prstGeom prst="ellipse">
@@ -9870,7 +9870,7 @@
           </p:nvSpPr>
           <p:spPr>
             <a:xfrm>
-              <a:off x="5093831" y="2477433"/>
+              <a:off x="5093608" y="2479282"/>
               <a:ext cx="49651" cy="49651"/>
             </a:xfrm>
             <a:prstGeom prst="ellipse">
@@ -9905,7 +9905,7 @@
           </p:nvSpPr>
           <p:spPr>
             <a:xfrm>
-              <a:off x="4957710" y="2477433"/>
+              <a:off x="4957414" y="2479282"/>
               <a:ext cx="49651" cy="49651"/>
             </a:xfrm>
             <a:prstGeom prst="ellipse">
@@ -9940,7 +9940,7 @@
           </p:nvSpPr>
           <p:spPr>
             <a:xfrm>
-              <a:off x="5093831" y="2477433"/>
+              <a:off x="5093608" y="2479282"/>
               <a:ext cx="49651" cy="49651"/>
             </a:xfrm>
             <a:prstGeom prst="ellipse">
@@ -9975,7 +9975,7 @@
           </p:nvSpPr>
           <p:spPr>
             <a:xfrm>
-              <a:off x="5093831" y="2477433"/>
+              <a:off x="5093608" y="2479282"/>
               <a:ext cx="49651" cy="49651"/>
             </a:xfrm>
             <a:prstGeom prst="ellipse">
@@ -10010,7 +10010,7 @@
           </p:nvSpPr>
           <p:spPr>
             <a:xfrm>
-              <a:off x="5093831" y="2477433"/>
+              <a:off x="5093608" y="2479282"/>
               <a:ext cx="49651" cy="49651"/>
             </a:xfrm>
             <a:prstGeom prst="ellipse">
@@ -10045,7 +10045,7 @@
           </p:nvSpPr>
           <p:spPr>
             <a:xfrm>
-              <a:off x="5093831" y="2477433"/>
+              <a:off x="5093608" y="2479282"/>
               <a:ext cx="49651" cy="49651"/>
             </a:xfrm>
             <a:prstGeom prst="ellipse">
@@ -10080,7 +10080,7 @@
           </p:nvSpPr>
           <p:spPr>
             <a:xfrm>
-              <a:off x="5093831" y="2477433"/>
+              <a:off x="5093608" y="2479282"/>
               <a:ext cx="49651" cy="49651"/>
             </a:xfrm>
             <a:prstGeom prst="ellipse">
@@ -10115,7 +10115,7 @@
           </p:nvSpPr>
           <p:spPr>
             <a:xfrm>
-              <a:off x="5093831" y="2477433"/>
+              <a:off x="5093608" y="2479282"/>
               <a:ext cx="49651" cy="49651"/>
             </a:xfrm>
             <a:prstGeom prst="ellipse">
@@ -10150,7 +10150,7 @@
           </p:nvSpPr>
           <p:spPr>
             <a:xfrm>
-              <a:off x="5093831" y="2477433"/>
+              <a:off x="5093608" y="2479282"/>
               <a:ext cx="49651" cy="49651"/>
             </a:xfrm>
             <a:prstGeom prst="ellipse">
@@ -10185,7 +10185,7 @@
           </p:nvSpPr>
           <p:spPr>
             <a:xfrm>
-              <a:off x="5093831" y="2477433"/>
+              <a:off x="5093608" y="2479282"/>
               <a:ext cx="49651" cy="49651"/>
             </a:xfrm>
             <a:prstGeom prst="ellipse">
@@ -10220,7 +10220,7 @@
           </p:nvSpPr>
           <p:spPr>
             <a:xfrm>
-              <a:off x="5093831" y="2477433"/>
+              <a:off x="5093608" y="2479282"/>
               <a:ext cx="49651" cy="49651"/>
             </a:xfrm>
             <a:prstGeom prst="ellipse">
@@ -10255,7 +10255,7 @@
           </p:nvSpPr>
           <p:spPr>
             <a:xfrm>
-              <a:off x="5093831" y="2477433"/>
+              <a:off x="5093608" y="2479282"/>
               <a:ext cx="49651" cy="49651"/>
             </a:xfrm>
             <a:prstGeom prst="ellipse">
@@ -10290,7 +10290,7 @@
           </p:nvSpPr>
           <p:spPr>
             <a:xfrm>
-              <a:off x="5093831" y="2477433"/>
+              <a:off x="5093608" y="2479282"/>
               <a:ext cx="49651" cy="49651"/>
             </a:xfrm>
             <a:prstGeom prst="ellipse">
@@ -10325,7 +10325,7 @@
           </p:nvSpPr>
           <p:spPr>
             <a:xfrm>
-              <a:off x="4821588" y="2477433"/>
+              <a:off x="4821220" y="2479282"/>
               <a:ext cx="49651" cy="49651"/>
             </a:xfrm>
             <a:prstGeom prst="ellipse">
@@ -10360,7 +10360,7 @@
           </p:nvSpPr>
           <p:spPr>
             <a:xfrm>
-              <a:off x="5093831" y="2477433"/>
+              <a:off x="5093608" y="2479282"/>
               <a:ext cx="49651" cy="49651"/>
             </a:xfrm>
             <a:prstGeom prst="ellipse">
@@ -10395,7 +10395,7 @@
           </p:nvSpPr>
           <p:spPr>
             <a:xfrm>
-              <a:off x="5093831" y="2477433"/>
+              <a:off x="5093608" y="2479282"/>
               <a:ext cx="49651" cy="49651"/>
             </a:xfrm>
             <a:prstGeom prst="ellipse">
@@ -10430,18 +10430,18 @@
           </p:nvSpPr>
           <p:spPr>
             <a:xfrm>
-              <a:off x="3757438" y="2502259"/>
-              <a:ext cx="952853" cy="0"/>
+              <a:off x="3756494" y="2504107"/>
+              <a:ext cx="953358" cy="0"/>
             </a:xfrm>
             <a:custGeom>
               <a:avLst/>
               <a:pathLst>
-                <a:path w="952853" h="0">
+                <a:path w="953358" h="0">
                   <a:moveTo>
                     <a:pt x="0" y="0"/>
                   </a:moveTo>
                   <a:lnTo>
-                    <a:pt x="952853" y="0"/>
+                    <a:pt x="953358" y="0"/>
                   </a:lnTo>
                 </a:path>
               </a:pathLst>
@@ -10470,15 +10470,15 @@
           </p:nvSpPr>
           <p:spPr>
             <a:xfrm>
-              <a:off x="2396218" y="2502259"/>
-              <a:ext cx="680609" cy="0"/>
+              <a:off x="2394554" y="2504107"/>
+              <a:ext cx="680970" cy="0"/>
             </a:xfrm>
             <a:custGeom>
               <a:avLst/>
               <a:pathLst>
-                <a:path w="680609" h="0">
+                <a:path w="680970" h="0">
                   <a:moveTo>
-                    <a:pt x="680609" y="0"/>
+                    <a:pt x="680970" y="0"/>
                   </a:moveTo>
                   <a:lnTo>
                     <a:pt x="0" y="0"/>
@@ -10510,24 +10510,24 @@
           </p:nvSpPr>
           <p:spPr>
             <a:xfrm>
-              <a:off x="3076828" y="2419123"/>
-              <a:ext cx="680609" cy="166272"/>
+              <a:off x="3075524" y="2419816"/>
+              <a:ext cx="680970" cy="168583"/>
             </a:xfrm>
             <a:custGeom>
               <a:avLst/>
               <a:pathLst>
-                <a:path w="680609" h="166272">
+                <a:path w="680970" h="168583">
                   <a:moveTo>
-                    <a:pt x="680609" y="166272"/>
+                    <a:pt x="680970" y="168583"/>
                   </a:moveTo>
                   <a:lnTo>
-                    <a:pt x="0" y="166272"/>
+                    <a:pt x="0" y="168583"/>
                   </a:lnTo>
                   <a:lnTo>
                     <a:pt x="0" y="0"/>
                   </a:lnTo>
                   <a:lnTo>
-                    <a:pt x="680609" y="0"/>
+                    <a:pt x="680970" y="0"/>
                   </a:lnTo>
                   <a:close/>
                 </a:path>
@@ -10562,15 +10562,15 @@
           </p:nvSpPr>
           <p:spPr>
             <a:xfrm>
-              <a:off x="3349072" y="2419123"/>
-              <a:ext cx="0" cy="166272"/>
+              <a:off x="3347912" y="2419816"/>
+              <a:ext cx="0" cy="168583"/>
             </a:xfrm>
             <a:custGeom>
               <a:avLst/>
               <a:pathLst>
-                <a:path w="0" h="166272">
+                <a:path w="0" h="168583">
                   <a:moveTo>
-                    <a:pt x="0" y="166272"/>
+                    <a:pt x="0" y="168583"/>
                   </a:moveTo>
                   <a:lnTo>
                     <a:pt x="0" y="0"/>
@@ -10602,8 +10602,8 @@
           </p:nvSpPr>
           <p:spPr>
             <a:xfrm>
-              <a:off x="2246484" y="2369241"/>
-              <a:ext cx="3294151" cy="266035"/>
+              <a:off x="2244741" y="2369241"/>
+              <a:ext cx="3295894" cy="269732"/>
             </a:xfrm>
             <a:prstGeom prst="rect">
               <a:avLst/>
@@ -10632,7 +10632,7 @@
           </p:nvSpPr>
           <p:spPr>
             <a:xfrm>
-              <a:off x="2211690" y="2502259"/>
+              <a:off x="2209946" y="2504107"/>
               <a:ext cx="34794" cy="0"/>
             </a:xfrm>
             <a:custGeom>
@@ -10672,7 +10672,7 @@
           </p:nvSpPr>
           <p:spPr>
             <a:xfrm>
-              <a:off x="2396218" y="2635277"/>
+              <a:off x="2394554" y="2638974"/>
               <a:ext cx="0" cy="34794"/>
             </a:xfrm>
             <a:custGeom>
@@ -10712,7 +10712,7 @@
           </p:nvSpPr>
           <p:spPr>
             <a:xfrm>
-              <a:off x="3212950" y="2635277"/>
+              <a:off x="3211718" y="2638974"/>
               <a:ext cx="0" cy="34794"/>
             </a:xfrm>
             <a:custGeom>
@@ -10752,7 +10752,7 @@
           </p:nvSpPr>
           <p:spPr>
             <a:xfrm>
-              <a:off x="4029682" y="2635277"/>
+              <a:off x="4028882" y="2638974"/>
               <a:ext cx="0" cy="34794"/>
             </a:xfrm>
             <a:custGeom>
@@ -10792,7 +10792,7 @@
           </p:nvSpPr>
           <p:spPr>
             <a:xfrm>
-              <a:off x="4846413" y="2635277"/>
+              <a:off x="4846046" y="2638974"/>
               <a:ext cx="0" cy="34794"/>
             </a:xfrm>
             <a:custGeom>
@@ -10832,7 +10832,7 @@
           </p:nvSpPr>
           <p:spPr>
             <a:xfrm>
-              <a:off x="2369506" y="2696761"/>
+              <a:off x="2367842" y="2700458"/>
               <a:ext cx="53424" cy="79126"/>
             </a:xfrm>
             <a:custGeom>
@@ -11343,7 +11343,7 @@
           </p:nvSpPr>
           <p:spPr>
             <a:xfrm>
-              <a:off x="2379438" y="2704728"/>
+              <a:off x="2377774" y="2708425"/>
               <a:ext cx="33506" cy="63137"/>
             </a:xfrm>
             <a:custGeom>
@@ -11854,7 +11854,7 @@
           </p:nvSpPr>
           <p:spPr>
             <a:xfrm>
-              <a:off x="3155051" y="2696761"/>
+              <a:off x="3153819" y="2700458"/>
               <a:ext cx="52987" cy="79126"/>
             </a:xfrm>
             <a:custGeom>
@@ -12504,7 +12504,7 @@
                     <a:pt x="38801" y="28442"/>
                   </a:lnTo>
                   <a:lnTo>
-                    <a:pt x="39126" y="27939"/>
+                    <a:pt x="39126" y="27940"/>
                   </a:lnTo>
                   <a:lnTo>
                     <a:pt x="39437" y="27412"/>
@@ -13163,7 +13163,7 @@
           </p:nvSpPr>
           <p:spPr>
             <a:xfrm>
-              <a:off x="3217316" y="2696761"/>
+              <a:off x="3216084" y="2700458"/>
               <a:ext cx="53424" cy="79126"/>
             </a:xfrm>
             <a:custGeom>
@@ -13674,7 +13674,7 @@
           </p:nvSpPr>
           <p:spPr>
             <a:xfrm>
-              <a:off x="3227247" y="2704728"/>
+              <a:off x="3226015" y="2708425"/>
               <a:ext cx="33506" cy="63137"/>
             </a:xfrm>
             <a:custGeom>
@@ -14185,7 +14185,7 @@
           </p:nvSpPr>
           <p:spPr>
             <a:xfrm>
-              <a:off x="3973201" y="2696761"/>
+              <a:off x="3972402" y="2700458"/>
               <a:ext cx="51568" cy="79126"/>
             </a:xfrm>
             <a:custGeom>
@@ -14667,7 +14667,7 @@
                     <a:pt x="48609" y="13165"/>
                   </a:lnTo>
                   <a:lnTo>
-                    <a:pt x="48903" y="13970"/>
+                    <a:pt x="48903" y="13969"/>
                   </a:lnTo>
                   <a:lnTo>
                     <a:pt x="49180" y="14802"/>
@@ -15059,7 +15059,7 @@
           </p:nvSpPr>
           <p:spPr>
             <a:xfrm>
-              <a:off x="3983952" y="2732668"/>
+              <a:off x="3983152" y="2736365"/>
               <a:ext cx="30832" cy="35306"/>
             </a:xfrm>
             <a:custGeom>
@@ -15570,7 +15570,7 @@
           </p:nvSpPr>
           <p:spPr>
             <a:xfrm>
-              <a:off x="4034047" y="2696761"/>
+              <a:off x="4033248" y="2700458"/>
               <a:ext cx="53424" cy="79126"/>
             </a:xfrm>
             <a:custGeom>
@@ -16081,7 +16081,7 @@
           </p:nvSpPr>
           <p:spPr>
             <a:xfrm>
-              <a:off x="4043979" y="2704728"/>
+              <a:off x="4043179" y="2708425"/>
               <a:ext cx="33506" cy="63137"/>
             </a:xfrm>
             <a:custGeom>
@@ -16592,7 +16592,7 @@
           </p:nvSpPr>
           <p:spPr>
             <a:xfrm>
-              <a:off x="4789497" y="2696761"/>
+              <a:off x="4789129" y="2700458"/>
               <a:ext cx="51623" cy="79126"/>
             </a:xfrm>
             <a:custGeom>
@@ -17323,7 +17323,7 @@
                     <a:pt x="6072" y="7665"/>
                   </a:lnTo>
                   <a:lnTo>
-                    <a:pt x="6712" y="6985"/>
+                    <a:pt x="6712" y="6984"/>
                   </a:lnTo>
                   <a:lnTo>
                     <a:pt x="7381" y="6324"/>
@@ -17466,7 +17466,7 @@
           </p:nvSpPr>
           <p:spPr>
             <a:xfrm>
-              <a:off x="4799483" y="2704728"/>
+              <a:off x="4799116" y="2708425"/>
               <a:ext cx="30941" cy="36070"/>
             </a:xfrm>
             <a:custGeom>
@@ -17977,7 +17977,7 @@
           </p:nvSpPr>
           <p:spPr>
             <a:xfrm>
-              <a:off x="4850779" y="2696761"/>
+              <a:off x="4850412" y="2700458"/>
               <a:ext cx="53424" cy="79126"/>
             </a:xfrm>
             <a:custGeom>
@@ -18488,7 +18488,7 @@
           </p:nvSpPr>
           <p:spPr>
             <a:xfrm>
-              <a:off x="4860711" y="2704728"/>
+              <a:off x="4860343" y="2708425"/>
               <a:ext cx="33506" cy="63137"/>
             </a:xfrm>
             <a:custGeom>
@@ -18999,7 +18999,7 @@
           </p:nvSpPr>
           <p:spPr>
             <a:xfrm>
-              <a:off x="3549767" y="2817888"/>
+              <a:off x="3548895" y="2819632"/>
               <a:ext cx="44201" cy="125511"/>
             </a:xfrm>
             <a:custGeom>
@@ -19135,7 +19135,7 @@
           </p:nvSpPr>
           <p:spPr>
             <a:xfrm>
-              <a:off x="3583055" y="2817888"/>
+              <a:off x="3582183" y="2819632"/>
               <a:ext cx="95498" cy="57298"/>
             </a:xfrm>
             <a:custGeom>
@@ -19296,7 +19296,7 @@
                     <a:pt x="36747" y="14864"/>
                   </a:lnTo>
                   <a:lnTo>
-                    <a:pt x="40512" y="9953"/>
+                    <a:pt x="40513" y="9953"/>
                   </a:lnTo>
                   <a:lnTo>
                     <a:pt x="43907" y="4998"/>
@@ -19325,7 +19325,7 @@
           </p:nvSpPr>
           <p:spPr>
             <a:xfrm>
-              <a:off x="3644719" y="2868639"/>
+              <a:off x="3643847" y="2870382"/>
               <a:ext cx="10914" cy="75307"/>
             </a:xfrm>
             <a:custGeom>
@@ -19368,7 +19368,7 @@
           </p:nvSpPr>
           <p:spPr>
             <a:xfrm>
-              <a:off x="3585238" y="2869730"/>
+              <a:off x="3584366" y="2871474"/>
               <a:ext cx="30013" cy="74215"/>
             </a:xfrm>
             <a:custGeom>
@@ -19501,7 +19501,7 @@
           </p:nvSpPr>
           <p:spPr>
             <a:xfrm>
-              <a:off x="3688921" y="2817888"/>
+              <a:off x="3688049" y="2819632"/>
               <a:ext cx="50204" cy="125511"/>
             </a:xfrm>
             <a:custGeom>
@@ -19697,7 +19697,7 @@
           </p:nvSpPr>
           <p:spPr>
             <a:xfrm>
-              <a:off x="3741309" y="2817343"/>
+              <a:off x="3740437" y="2819086"/>
               <a:ext cx="76398" cy="74215"/>
             </a:xfrm>
             <a:custGeom>
@@ -20016,7 +20016,7 @@
           </p:nvSpPr>
           <p:spPr>
             <a:xfrm>
-              <a:off x="3763137" y="2840262"/>
+              <a:off x="3762265" y="2842006"/>
               <a:ext cx="32196" cy="21828"/>
             </a:xfrm>
             <a:custGeom>
@@ -20113,7 +20113,7 @@
           </p:nvSpPr>
           <p:spPr>
             <a:xfrm>
-              <a:off x="3749494" y="2893195"/>
+              <a:off x="3748622" y="2894939"/>
               <a:ext cx="57844" cy="50204"/>
             </a:xfrm>
             <a:custGeom>
@@ -20168,7 +20168,7 @@
           </p:nvSpPr>
           <p:spPr>
             <a:xfrm>
-              <a:off x="3759863" y="2902472"/>
+              <a:off x="3758991" y="2904216"/>
               <a:ext cx="37107" cy="23465"/>
             </a:xfrm>
             <a:custGeom>
@@ -20211,7 +20211,7 @@
           </p:nvSpPr>
           <p:spPr>
             <a:xfrm>
-              <a:off x="3877189" y="2830985"/>
+              <a:off x="3876317" y="2832729"/>
               <a:ext cx="49113" cy="121691"/>
             </a:xfrm>
             <a:custGeom>
@@ -20428,7 +20428,7 @@
           </p:nvSpPr>
           <p:spPr>
             <a:xfrm>
-              <a:off x="3983055" y="2826620"/>
+              <a:off x="3982183" y="2828363"/>
               <a:ext cx="100409" cy="10368"/>
             </a:xfrm>
             <a:custGeom>
@@ -20471,7 +20471,7 @@
           </p:nvSpPr>
           <p:spPr>
             <a:xfrm>
-              <a:off x="3969958" y="2863182"/>
+              <a:off x="3969086" y="2864925"/>
               <a:ext cx="126603" cy="80218"/>
             </a:xfrm>
             <a:custGeom>
@@ -20548,7 +20548,7 @@
                     <a:pt x="88818" y="67634"/>
                   </a:lnTo>
                   <a:lnTo>
-                    <a:pt x="89407" y="67659"/>
+                    <a:pt x="89408" y="67659"/>
                   </a:lnTo>
                   <a:lnTo>
                     <a:pt x="90041" y="67667"/>
@@ -20952,7 +20952,7 @@
           </p:nvSpPr>
           <p:spPr>
             <a:xfrm>
-              <a:off x="4140218" y="2830985"/>
+              <a:off x="4139346" y="2832729"/>
               <a:ext cx="49113" cy="121691"/>
             </a:xfrm>
             <a:custGeom>
